--- a/src/main/resources/introduction.pptx
+++ b/src/main/resources/introduction.pptx
@@ -6,9 +6,10 @@
   </p:sldMasterIdLst>
   <p:sldIdLst>
     <p:sldId id="256" r:id="rId2"/>
-    <p:sldId id="257" r:id="rId3"/>
-    <p:sldId id="258" r:id="rId4"/>
-    <p:sldId id="259" r:id="rId5"/>
+    <p:sldId id="260" r:id="rId3"/>
+    <p:sldId id="257" r:id="rId4"/>
+    <p:sldId id="258" r:id="rId5"/>
+    <p:sldId id="259" r:id="rId6"/>
   </p:sldIdLst>
   <p:sldSz cx="9144000" cy="6858000" type="screen4x3"/>
   <p:notesSz cx="6858000" cy="9144000"/>
@@ -3180,7 +3181,7 @@
       </p:grpSpPr>
       <p:sp>
         <p:nvSpPr>
-          <p:cNvPr id="2" name="Title 1"/>
+          <p:cNvPr id="4" name="Title 3"/>
           <p:cNvSpPr>
             <a:spLocks noGrp="1"/>
           </p:cNvSpPr>
@@ -3190,14 +3191,12 @@
         </p:nvSpPr>
         <p:spPr/>
         <p:txBody>
-          <a:bodyPr>
-            <a:normAutofit fontScale="90000"/>
-          </a:bodyPr>
+          <a:bodyPr/>
           <a:lstStyle/>
           <a:p>
             <a:r>
               <a:rPr lang="en-US" dirty="0" smtClean="0"/>
-              <a:t>Item1: Consider static factory methods instead of constructors</a:t>
+              <a:t>Creating &amp; destroying objects</a:t>
             </a:r>
             <a:endParaRPr lang="en-US" dirty="0"/>
           </a:p>
@@ -3205,126 +3204,27 @@
       </p:sp>
       <p:sp>
         <p:nvSpPr>
-          <p:cNvPr id="3" name="Content Placeholder 2"/>
-          <p:cNvSpPr>
-            <a:spLocks noGrp="1"/>
-          </p:cNvSpPr>
-          <p:nvPr>
-            <p:ph idx="1"/>
-          </p:nvPr>
-        </p:nvSpPr>
-        <p:spPr/>
-        <p:txBody>
-          <a:bodyPr>
-            <a:normAutofit fontScale="62500" lnSpcReduction="20000"/>
-          </a:bodyPr>
-          <a:lstStyle/>
-          <a:p>
-            <a:r>
-              <a:rPr lang="en-US" dirty="0" smtClean="0"/>
-              <a:t>Unlike constructors, they have names.</a:t>
-            </a:r>
-          </a:p>
-          <a:p>
-            <a:pPr lvl="1"/>
-            <a:r>
-              <a:rPr lang="en-US" dirty="0"/>
-              <a:t>f</a:t>
-            </a:r>
-            <a:r>
-              <a:rPr lang="en-US" dirty="0" smtClean="0"/>
-              <a:t>rom, </a:t>
-            </a:r>
-            <a:r>
-              <a:rPr lang="en-US" dirty="0" err="1" smtClean="0"/>
-              <a:t>valueOf</a:t>
-            </a:r>
-            <a:r>
-              <a:rPr lang="en-US" dirty="0" smtClean="0"/>
-              <a:t>, of, …etc.</a:t>
-            </a:r>
-          </a:p>
-          <a:p>
-            <a:r>
-              <a:rPr lang="en-US" dirty="0" smtClean="0"/>
-              <a:t>Unlike constructors, </a:t>
-            </a:r>
-            <a:r>
-              <a:rPr lang="en-US" dirty="0" smtClean="0"/>
-              <a:t>they are not required to create new object each time they’re invoked.</a:t>
-            </a:r>
-          </a:p>
-          <a:p>
-            <a:pPr lvl="1"/>
-            <a:r>
-              <a:rPr lang="en-US" i="1" dirty="0" smtClean="0"/>
-              <a:t>Flyweight pattern.</a:t>
-            </a:r>
-          </a:p>
-          <a:p>
-            <a:r>
-              <a:rPr lang="en-US" dirty="0" smtClean="0"/>
-              <a:t>Unlike constructors, t</a:t>
-            </a:r>
-            <a:r>
-              <a:rPr lang="en-US" dirty="0" smtClean="0"/>
-              <a:t>hey can return an object of any subtype of their return type.</a:t>
-            </a:r>
-          </a:p>
-          <a:p>
-            <a:r>
-              <a:rPr lang="en-US" dirty="0" smtClean="0"/>
-              <a:t>The class of the returned object can vary from call to call as a function of the input parameters.</a:t>
-            </a:r>
-          </a:p>
-          <a:p>
-            <a:r>
-              <a:rPr lang="en-US" dirty="0" smtClean="0"/>
-              <a:t>The class of the returned object need not exist when the class containing the method is written.</a:t>
-            </a:r>
-          </a:p>
-          <a:p>
-            <a:pPr lvl="1"/>
-            <a:r>
-              <a:rPr lang="en-US" i="1" dirty="0" smtClean="0"/>
-              <a:t>Bridge pattern.</a:t>
-            </a:r>
-            <a:endParaRPr lang="en-US" dirty="0" smtClean="0"/>
-          </a:p>
-          <a:p>
-            <a:pPr>
-              <a:buFont typeface="Wingdings" panose="05000000000000000000" pitchFamily="2" charset="2"/>
-              <a:buChar char="v"/>
-            </a:pPr>
-            <a:r>
-              <a:rPr lang="en-US" dirty="0" smtClean="0"/>
-              <a:t>The main limitation of providing only static factory methods is that classes without public or protected constructors cannot be sub-classed.</a:t>
-            </a:r>
-          </a:p>
-          <a:p>
-            <a:pPr>
-              <a:buFont typeface="Wingdings" panose="05000000000000000000" pitchFamily="2" charset="2"/>
-              <a:buChar char="v"/>
-            </a:pPr>
-            <a:r>
-              <a:rPr lang="en-US" dirty="0" smtClean="0"/>
-              <a:t>A 2</a:t>
-            </a:r>
-            <a:r>
-              <a:rPr lang="en-US" baseline="30000" dirty="0" smtClean="0"/>
-              <a:t>nd</a:t>
-            </a:r>
-            <a:r>
-              <a:rPr lang="en-US" dirty="0" smtClean="0"/>
-              <a:t> shortcoming of static factory methods is that they are hard for programmers to find.</a:t>
-            </a:r>
+          <p:cNvPr id="5" name="Text Placeholder 4"/>
+          <p:cNvSpPr>
+            <a:spLocks noGrp="1"/>
+          </p:cNvSpPr>
+          <p:nvPr>
+            <p:ph type="body" idx="1"/>
+          </p:nvPr>
+        </p:nvSpPr>
+        <p:spPr/>
+        <p:txBody>
+          <a:bodyPr/>
+          <a:lstStyle/>
+          <a:p>
+            <a:endParaRPr lang="en-US" dirty="0"/>
           </a:p>
         </p:txBody>
       </p:sp>
     </p:spTree>
     <p:extLst>
       <p:ext uri="{BB962C8B-B14F-4D97-AF65-F5344CB8AC3E}">
-        <p14:creationId xmlns:p14="http://schemas.microsoft.com/office/powerpoint/2010/main" val="422578341"/>
+        <p14:creationId xmlns:p14="http://schemas.microsoft.com/office/powerpoint/2010/main" val="3802759192"/>
       </p:ext>
     </p:extLst>
   </p:cSld>
@@ -3363,12 +3263,14 @@
         </p:nvSpPr>
         <p:spPr/>
         <p:txBody>
-          <a:bodyPr/>
+          <a:bodyPr>
+            <a:normAutofit fontScale="90000"/>
+          </a:bodyPr>
           <a:lstStyle/>
           <a:p>
             <a:r>
               <a:rPr lang="en-US" dirty="0" smtClean="0"/>
-              <a:t>Item1. JDK examples</a:t>
+              <a:t>Item1: Consider static factory methods instead of constructors</a:t>
             </a:r>
             <a:endParaRPr lang="en-US" dirty="0"/>
           </a:p>
@@ -3386,45 +3288,116 @@
         </p:nvSpPr>
         <p:spPr/>
         <p:txBody>
-          <a:bodyPr/>
-          <a:lstStyle/>
-          <a:p>
+          <a:bodyPr>
+            <a:normAutofit fontScale="62500" lnSpcReduction="20000"/>
+          </a:bodyPr>
+          <a:lstStyle/>
+          <a:p>
+            <a:r>
+              <a:rPr lang="en-US" dirty="0" smtClean="0"/>
+              <a:t>Unlike constructors, they have names.</a:t>
+            </a:r>
+          </a:p>
+          <a:p>
+            <a:pPr lvl="1"/>
+            <a:r>
+              <a:rPr lang="en-US" dirty="0"/>
+              <a:t>f</a:t>
+            </a:r>
+            <a:r>
+              <a:rPr lang="en-US" dirty="0" smtClean="0"/>
+              <a:t>rom, </a:t>
+            </a:r>
             <a:r>
               <a:rPr lang="en-US" dirty="0" err="1" smtClean="0"/>
-              <a:t>Arrays.asList</a:t>
+              <a:t>valueOf</a:t>
+            </a:r>
+            <a:r>
+              <a:rPr lang="en-US" dirty="0" smtClean="0"/>
+              <a:t>, of, …etc.</a:t>
+            </a:r>
+          </a:p>
+          <a:p>
+            <a:r>
+              <a:rPr lang="en-US" dirty="0" smtClean="0"/>
+              <a:t>Unlike constructors, </a:t>
+            </a:r>
+            <a:r>
+              <a:rPr lang="en-US" dirty="0" smtClean="0"/>
+              <a:t>they are not required to create new object each time they’re invoked.</a:t>
+            </a:r>
+          </a:p>
+          <a:p>
+            <a:pPr lvl="1"/>
+            <a:r>
+              <a:rPr lang="en-US" i="1" dirty="0" smtClean="0"/>
+              <a:t>Flyweight pattern.</a:t>
+            </a:r>
+          </a:p>
+          <a:p>
+            <a:r>
+              <a:rPr lang="en-US" dirty="0" smtClean="0"/>
+              <a:t>Unlike constructors, t</a:t>
+            </a:r>
+            <a:r>
+              <a:rPr lang="en-US" dirty="0" smtClean="0"/>
+              <a:t>hey can return an object of any subtype of their return type.</a:t>
+            </a:r>
+          </a:p>
+          <a:p>
+            <a:r>
+              <a:rPr lang="en-US" dirty="0" smtClean="0"/>
+              <a:t>The class of the returned object can vary from call to call as a function of the input parameters.</a:t>
+            </a:r>
+          </a:p>
+          <a:p>
+            <a:r>
+              <a:rPr lang="en-US" dirty="0" smtClean="0"/>
+              <a:t>The class of the returned object need not exist when the class containing the method is written.</a:t>
+            </a:r>
+          </a:p>
+          <a:p>
+            <a:pPr lvl="1"/>
+            <a:r>
+              <a:rPr lang="en-US" i="1" dirty="0" smtClean="0"/>
+              <a:t>Bridge pattern.</a:t>
             </a:r>
             <a:endParaRPr lang="en-US" dirty="0" smtClean="0"/>
           </a:p>
           <a:p>
-            <a:r>
-              <a:rPr lang="en-US" dirty="0" err="1" smtClean="0"/>
-              <a:t>List.of</a:t>
-            </a:r>
-            <a:endParaRPr lang="en-US" dirty="0" smtClean="0"/>
-          </a:p>
-          <a:p>
-            <a:r>
-              <a:rPr lang="en-US" dirty="0" err="1" smtClean="0"/>
-              <a:t>DateTime.from</a:t>
-            </a:r>
-            <a:endParaRPr lang="en-US" dirty="0" smtClean="0"/>
-          </a:p>
-          <a:p>
-            <a:r>
-              <a:rPr lang="en-US" dirty="0" err="1" smtClean="0"/>
-              <a:t>Boolean.valueOf</a:t>
-            </a:r>
-            <a:endParaRPr lang="en-US" dirty="0" smtClean="0"/>
-          </a:p>
-          <a:p>
-            <a:endParaRPr lang="en-US" dirty="0"/>
+            <a:pPr>
+              <a:buFont typeface="Wingdings" panose="05000000000000000000" pitchFamily="2" charset="2"/>
+              <a:buChar char="v"/>
+            </a:pPr>
+            <a:r>
+              <a:rPr lang="en-US" dirty="0" smtClean="0"/>
+              <a:t>The main limitation of providing only static factory methods is that classes without public or protected constructors cannot be sub-classed.</a:t>
+            </a:r>
+          </a:p>
+          <a:p>
+            <a:pPr>
+              <a:buFont typeface="Wingdings" panose="05000000000000000000" pitchFamily="2" charset="2"/>
+              <a:buChar char="v"/>
+            </a:pPr>
+            <a:r>
+              <a:rPr lang="en-US" dirty="0" smtClean="0"/>
+              <a:t>A 2</a:t>
+            </a:r>
+            <a:r>
+              <a:rPr lang="en-US" baseline="30000" dirty="0" smtClean="0"/>
+              <a:t>nd</a:t>
+            </a:r>
+            <a:r>
+              <a:rPr lang="en-US" dirty="0" smtClean="0"/>
+              <a:t> shortcoming of static factory methods is that they are hard for programmers to find.</a:t>
+            </a:r>
           </a:p>
         </p:txBody>
       </p:sp>
     </p:spTree>
     <p:extLst>
       <p:ext uri="{BB962C8B-B14F-4D97-AF65-F5344CB8AC3E}">
-        <p14:creationId xmlns:p14="http://schemas.microsoft.com/office/powerpoint/2010/main" val="2888858686"/>
+        <p14:creationId xmlns:p14="http://schemas.microsoft.com/office/powerpoint/2010/main" val="422578341"/>
       </p:ext>
     </p:extLst>
   </p:cSld>
@@ -3463,6 +3436,106 @@
         </p:nvSpPr>
         <p:spPr/>
         <p:txBody>
+          <a:bodyPr/>
+          <a:lstStyle/>
+          <a:p>
+            <a:r>
+              <a:rPr lang="en-US" dirty="0" smtClean="0"/>
+              <a:t>Item1. JDK examples</a:t>
+            </a:r>
+            <a:endParaRPr lang="en-US" dirty="0"/>
+          </a:p>
+        </p:txBody>
+      </p:sp>
+      <p:sp>
+        <p:nvSpPr>
+          <p:cNvPr id="3" name="Content Placeholder 2"/>
+          <p:cNvSpPr>
+            <a:spLocks noGrp="1"/>
+          </p:cNvSpPr>
+          <p:nvPr>
+            <p:ph idx="1"/>
+          </p:nvPr>
+        </p:nvSpPr>
+        <p:spPr/>
+        <p:txBody>
+          <a:bodyPr/>
+          <a:lstStyle/>
+          <a:p>
+            <a:r>
+              <a:rPr lang="en-US" dirty="0" err="1" smtClean="0"/>
+              <a:t>Arrays.asList</a:t>
+            </a:r>
+            <a:endParaRPr lang="en-US" dirty="0" smtClean="0"/>
+          </a:p>
+          <a:p>
+            <a:r>
+              <a:rPr lang="en-US" dirty="0" err="1" smtClean="0"/>
+              <a:t>List.of</a:t>
+            </a:r>
+            <a:endParaRPr lang="en-US" dirty="0" smtClean="0"/>
+          </a:p>
+          <a:p>
+            <a:r>
+              <a:rPr lang="en-US" dirty="0" err="1" smtClean="0"/>
+              <a:t>DateTime.from</a:t>
+            </a:r>
+            <a:endParaRPr lang="en-US" dirty="0" smtClean="0"/>
+          </a:p>
+          <a:p>
+            <a:r>
+              <a:rPr lang="en-US" dirty="0" err="1" smtClean="0"/>
+              <a:t>Boolean.valueOf</a:t>
+            </a:r>
+            <a:endParaRPr lang="en-US" dirty="0" smtClean="0"/>
+          </a:p>
+          <a:p>
+            <a:endParaRPr lang="en-US" dirty="0"/>
+          </a:p>
+        </p:txBody>
+      </p:sp>
+    </p:spTree>
+    <p:extLst>
+      <p:ext uri="{BB962C8B-B14F-4D97-AF65-F5344CB8AC3E}">
+        <p14:creationId xmlns:p14="http://schemas.microsoft.com/office/powerpoint/2010/main" val="2888858686"/>
+      </p:ext>
+    </p:extLst>
+  </p:cSld>
+  <p:clrMapOvr>
+    <a:masterClrMapping/>
+  </p:clrMapOvr>
+</p:sld>
+</file>
+
+<file path=ppt/slides/slide5.xml><?xml version="1.0" encoding="utf-8"?>
+<p:sld xmlns:a="http://schemas.openxmlformats.org/drawingml/2006/main" xmlns:r="http://schemas.openxmlformats.org/officeDocument/2006/relationships" xmlns:p="http://schemas.openxmlformats.org/presentationml/2006/main">
+  <p:cSld>
+    <p:spTree>
+      <p:nvGrpSpPr>
+        <p:cNvPr id="1" name=""/>
+        <p:cNvGrpSpPr/>
+        <p:nvPr/>
+      </p:nvGrpSpPr>
+      <p:grpSpPr>
+        <a:xfrm>
+          <a:off x="0" y="0"/>
+          <a:ext cx="0" cy="0"/>
+          <a:chOff x="0" y="0"/>
+          <a:chExt cx="0" cy="0"/>
+        </a:xfrm>
+      </p:grpSpPr>
+      <p:sp>
+        <p:nvSpPr>
+          <p:cNvPr id="2" name="Title 1"/>
+          <p:cNvSpPr>
+            <a:spLocks noGrp="1"/>
+          </p:cNvSpPr>
+          <p:nvPr>
+            <p:ph type="title"/>
+          </p:nvPr>
+        </p:nvSpPr>
+        <p:spPr/>
+        <p:txBody>
           <a:bodyPr>
             <a:normAutofit fontScale="90000"/>
           </a:bodyPr>
@@ -3520,7 +3593,13 @@
             <a:pPr lvl="1"/>
             <a:r>
               <a:rPr lang="en-US" dirty="0" smtClean="0"/>
-              <a:t>Call a parameter-less constructor to create object and then call setter.</a:t>
+              <a:t>Call a parameter-less constructor to create object and then call setter</a:t>
+            </a:r>
+          </a:p>
+          <a:p>
+            <a:r>
+              <a:rPr lang="en-US" dirty="0" smtClean="0"/>
+              <a:t>Builder pattern</a:t>
             </a:r>
           </a:p>
         </p:txBody>

--- a/src/main/resources/introduction.pptx
+++ b/src/main/resources/introduction.pptx
@@ -7,9 +7,13 @@
   <p:sldIdLst>
     <p:sldId id="256" r:id="rId2"/>
     <p:sldId id="260" r:id="rId3"/>
-    <p:sldId id="257" r:id="rId4"/>
-    <p:sldId id="258" r:id="rId5"/>
-    <p:sldId id="259" r:id="rId6"/>
+    <p:sldId id="262" r:id="rId4"/>
+    <p:sldId id="257" r:id="rId5"/>
+    <p:sldId id="258" r:id="rId6"/>
+    <p:sldId id="263" r:id="rId7"/>
+    <p:sldId id="259" r:id="rId8"/>
+    <p:sldId id="264" r:id="rId9"/>
+    <p:sldId id="261" r:id="rId10"/>
   </p:sldIdLst>
   <p:sldSz cx="9144000" cy="6858000" type="screen4x3"/>
   <p:notesSz cx="6858000" cy="9144000"/>
@@ -292,7 +296,7 @@
           <a:p>
             <a:fld id="{418259CB-B7BB-4090-9C34-490633F5C250}" type="datetimeFigureOut">
               <a:rPr lang="en-US" smtClean="0"/>
-              <a:t>4/26/2018</a:t>
+              <a:t>4/27/2018</a:t>
             </a:fld>
             <a:endParaRPr lang="en-US"/>
           </a:p>
@@ -462,7 +466,7 @@
           <a:p>
             <a:fld id="{418259CB-B7BB-4090-9C34-490633F5C250}" type="datetimeFigureOut">
               <a:rPr lang="en-US" smtClean="0"/>
-              <a:t>4/26/2018</a:t>
+              <a:t>4/27/2018</a:t>
             </a:fld>
             <a:endParaRPr lang="en-US"/>
           </a:p>
@@ -642,7 +646,7 @@
           <a:p>
             <a:fld id="{418259CB-B7BB-4090-9C34-490633F5C250}" type="datetimeFigureOut">
               <a:rPr lang="en-US" smtClean="0"/>
-              <a:t>4/26/2018</a:t>
+              <a:t>4/27/2018</a:t>
             </a:fld>
             <a:endParaRPr lang="en-US"/>
           </a:p>
@@ -812,7 +816,7 @@
           <a:p>
             <a:fld id="{418259CB-B7BB-4090-9C34-490633F5C250}" type="datetimeFigureOut">
               <a:rPr lang="en-US" smtClean="0"/>
-              <a:t>4/26/2018</a:t>
+              <a:t>4/27/2018</a:t>
             </a:fld>
             <a:endParaRPr lang="en-US"/>
           </a:p>
@@ -1058,7 +1062,7 @@
           <a:p>
             <a:fld id="{418259CB-B7BB-4090-9C34-490633F5C250}" type="datetimeFigureOut">
               <a:rPr lang="en-US" smtClean="0"/>
-              <a:t>4/26/2018</a:t>
+              <a:t>4/27/2018</a:t>
             </a:fld>
             <a:endParaRPr lang="en-US"/>
           </a:p>
@@ -1346,7 +1350,7 @@
           <a:p>
             <a:fld id="{418259CB-B7BB-4090-9C34-490633F5C250}" type="datetimeFigureOut">
               <a:rPr lang="en-US" smtClean="0"/>
-              <a:t>4/26/2018</a:t>
+              <a:t>4/27/2018</a:t>
             </a:fld>
             <a:endParaRPr lang="en-US"/>
           </a:p>
@@ -1768,7 +1772,7 @@
           <a:p>
             <a:fld id="{418259CB-B7BB-4090-9C34-490633F5C250}" type="datetimeFigureOut">
               <a:rPr lang="en-US" smtClean="0"/>
-              <a:t>4/26/2018</a:t>
+              <a:t>4/27/2018</a:t>
             </a:fld>
             <a:endParaRPr lang="en-US"/>
           </a:p>
@@ -1886,7 +1890,7 @@
           <a:p>
             <a:fld id="{418259CB-B7BB-4090-9C34-490633F5C250}" type="datetimeFigureOut">
               <a:rPr lang="en-US" smtClean="0"/>
-              <a:t>4/26/2018</a:t>
+              <a:t>4/27/2018</a:t>
             </a:fld>
             <a:endParaRPr lang="en-US"/>
           </a:p>
@@ -1981,7 +1985,7 @@
           <a:p>
             <a:fld id="{418259CB-B7BB-4090-9C34-490633F5C250}" type="datetimeFigureOut">
               <a:rPr lang="en-US" smtClean="0"/>
-              <a:t>4/26/2018</a:t>
+              <a:t>4/27/2018</a:t>
             </a:fld>
             <a:endParaRPr lang="en-US"/>
           </a:p>
@@ -2258,7 +2262,7 @@
           <a:p>
             <a:fld id="{418259CB-B7BB-4090-9C34-490633F5C250}" type="datetimeFigureOut">
               <a:rPr lang="en-US" smtClean="0"/>
-              <a:t>4/26/2018</a:t>
+              <a:t>4/27/2018</a:t>
             </a:fld>
             <a:endParaRPr lang="en-US"/>
           </a:p>
@@ -2511,7 +2515,7 @@
           <a:p>
             <a:fld id="{418259CB-B7BB-4090-9C34-490633F5C250}" type="datetimeFigureOut">
               <a:rPr lang="en-US" smtClean="0"/>
-              <a:t>4/26/2018</a:t>
+              <a:t>4/27/2018</a:t>
             </a:fld>
             <a:endParaRPr lang="en-US"/>
           </a:p>
@@ -2724,7 +2728,7 @@
           <a:p>
             <a:fld id="{418259CB-B7BB-4090-9C34-490633F5C250}" type="datetimeFigureOut">
               <a:rPr lang="en-US" smtClean="0"/>
-              <a:t>4/26/2018</a:t>
+              <a:t>4/27/2018</a:t>
             </a:fld>
             <a:endParaRPr lang="en-US"/>
           </a:p>
@@ -3253,7 +3257,7 @@
       </p:grpSpPr>
       <p:sp>
         <p:nvSpPr>
-          <p:cNvPr id="2" name="Title 1"/>
+          <p:cNvPr id="4" name="Title 3"/>
           <p:cNvSpPr>
             <a:spLocks noGrp="1"/>
           </p:cNvSpPr>
@@ -3270,126 +3274,33 @@
           <a:p>
             <a:r>
               <a:rPr lang="en-US" dirty="0" smtClean="0"/>
-              <a:t>Item1: Consider static factory methods instead of constructors</a:t>
-            </a:r>
-            <a:endParaRPr lang="en-US" dirty="0"/>
-          </a:p>
-        </p:txBody>
-      </p:sp>
-      <p:sp>
-        <p:nvSpPr>
-          <p:cNvPr id="3" name="Content Placeholder 2"/>
-          <p:cNvSpPr>
-            <a:spLocks noGrp="1"/>
-          </p:cNvSpPr>
-          <p:nvPr>
-            <p:ph idx="1"/>
-          </p:nvPr>
-        </p:nvSpPr>
-        <p:spPr/>
-        <p:txBody>
-          <a:bodyPr>
-            <a:normAutofit fontScale="62500" lnSpcReduction="20000"/>
-          </a:bodyPr>
-          <a:lstStyle/>
-          <a:p>
-            <a:r>
-              <a:rPr lang="en-US" dirty="0" smtClean="0"/>
-              <a:t>Unlike constructors, they have names.</a:t>
-            </a:r>
-          </a:p>
-          <a:p>
-            <a:pPr lvl="1"/>
+              <a:t>Consider </a:t>
+            </a:r>
             <a:r>
               <a:rPr lang="en-US" dirty="0"/>
-              <a:t>f</a:t>
-            </a:r>
-            <a:r>
-              <a:rPr lang="en-US" dirty="0" smtClean="0"/>
-              <a:t>rom, </a:t>
-            </a:r>
-            <a:r>
-              <a:rPr lang="en-US" dirty="0" err="1" smtClean="0"/>
-              <a:t>valueOf</a:t>
-            </a:r>
-            <a:r>
-              <a:rPr lang="en-US" dirty="0" smtClean="0"/>
-              <a:t>, of, …etc.</a:t>
-            </a:r>
-          </a:p>
-          <a:p>
-            <a:r>
-              <a:rPr lang="en-US" dirty="0" smtClean="0"/>
-              <a:t>Unlike constructors, </a:t>
-            </a:r>
-            <a:r>
-              <a:rPr lang="en-US" dirty="0" smtClean="0"/>
-              <a:t>they are not required to create new object each time they’re invoked.</a:t>
-            </a:r>
-          </a:p>
-          <a:p>
-            <a:pPr lvl="1"/>
-            <a:r>
-              <a:rPr lang="en-US" i="1" dirty="0" smtClean="0"/>
-              <a:t>Flyweight pattern.</a:t>
-            </a:r>
-          </a:p>
-          <a:p>
-            <a:r>
-              <a:rPr lang="en-US" dirty="0" smtClean="0"/>
-              <a:t>Unlike constructors, t</a:t>
-            </a:r>
-            <a:r>
-              <a:rPr lang="en-US" dirty="0" smtClean="0"/>
-              <a:t>hey can return an object of any subtype of their return type.</a:t>
-            </a:r>
-          </a:p>
-          <a:p>
-            <a:r>
-              <a:rPr lang="en-US" dirty="0" smtClean="0"/>
-              <a:t>The class of the returned object can vary from call to call as a function of the input parameters.</a:t>
-            </a:r>
-          </a:p>
-          <a:p>
-            <a:r>
-              <a:rPr lang="en-US" dirty="0" smtClean="0"/>
-              <a:t>The class of the returned object need not exist when the class containing the method is written.</a:t>
-            </a:r>
-          </a:p>
-          <a:p>
-            <a:pPr lvl="1"/>
-            <a:r>
-              <a:rPr lang="en-US" i="1" dirty="0" smtClean="0"/>
-              <a:t>Bridge pattern.</a:t>
-            </a:r>
-            <a:endParaRPr lang="en-US" dirty="0" smtClean="0"/>
-          </a:p>
-          <a:p>
-            <a:pPr>
-              <a:buFont typeface="Wingdings" panose="05000000000000000000" pitchFamily="2" charset="2"/>
-              <a:buChar char="v"/>
-            </a:pPr>
-            <a:r>
-              <a:rPr lang="en-US" dirty="0" smtClean="0"/>
-              <a:t>The main limitation of providing only static factory methods is that classes without public or protected constructors cannot be sub-classed.</a:t>
-            </a:r>
-          </a:p>
-          <a:p>
-            <a:pPr>
-              <a:buFont typeface="Wingdings" panose="05000000000000000000" pitchFamily="2" charset="2"/>
-              <a:buChar char="v"/>
-            </a:pPr>
-            <a:r>
-              <a:rPr lang="en-US" dirty="0" smtClean="0"/>
-              <a:t>A 2</a:t>
-            </a:r>
-            <a:r>
-              <a:rPr lang="en-US" baseline="30000" dirty="0" smtClean="0"/>
-              <a:t>nd</a:t>
-            </a:r>
-            <a:r>
-              <a:rPr lang="en-US" dirty="0" smtClean="0"/>
-              <a:t> shortcoming of static factory methods is that they are hard for programmers to find.</a:t>
+              <a:t>static factory methods instead of constructors</a:t>
+            </a:r>
+          </a:p>
+        </p:txBody>
+      </p:sp>
+      <p:sp>
+        <p:nvSpPr>
+          <p:cNvPr id="5" name="Text Placeholder 4"/>
+          <p:cNvSpPr>
+            <a:spLocks noGrp="1"/>
+          </p:cNvSpPr>
+          <p:nvPr>
+            <p:ph type="body" idx="1"/>
+          </p:nvPr>
+        </p:nvSpPr>
+        <p:spPr/>
+        <p:txBody>
+          <a:bodyPr/>
+          <a:lstStyle/>
+          <a:p>
+            <a:r>
+              <a:rPr lang="en-US" dirty="0"/>
+              <a:t>Item1:</a:t>
             </a:r>
           </a:p>
         </p:txBody>
@@ -3397,7 +3308,7 @@
     </p:spTree>
     <p:extLst>
       <p:ext uri="{BB962C8B-B14F-4D97-AF65-F5344CB8AC3E}">
-        <p14:creationId xmlns:p14="http://schemas.microsoft.com/office/powerpoint/2010/main" val="422578341"/>
+        <p14:creationId xmlns:p14="http://schemas.microsoft.com/office/powerpoint/2010/main" val="2154006362"/>
       </p:ext>
     </p:extLst>
   </p:cSld>
@@ -3436,12 +3347,14 @@
         </p:nvSpPr>
         <p:spPr/>
         <p:txBody>
-          <a:bodyPr/>
+          <a:bodyPr>
+            <a:normAutofit/>
+          </a:bodyPr>
           <a:lstStyle/>
           <a:p>
             <a:r>
               <a:rPr lang="en-US" dirty="0" smtClean="0"/>
-              <a:t>Item1. JDK examples</a:t>
+              <a:t>Advantages &amp; limitations</a:t>
             </a:r>
             <a:endParaRPr lang="en-US" dirty="0"/>
           </a:p>
@@ -3457,47 +3370,147 @@
             <p:ph idx="1"/>
           </p:nvPr>
         </p:nvSpPr>
-        <p:spPr/>
-        <p:txBody>
-          <a:bodyPr/>
-          <a:lstStyle/>
-          <a:p>
+        <p:spPr>
+          <a:xfrm>
+            <a:off x="457200" y="1600200"/>
+            <a:ext cx="8229600" cy="4925144"/>
+          </a:xfrm>
+        </p:spPr>
+        <p:txBody>
+          <a:bodyPr>
+            <a:normAutofit fontScale="62500" lnSpcReduction="20000"/>
+          </a:bodyPr>
+          <a:lstStyle/>
+          <a:p>
+            <a:r>
+              <a:rPr lang="en-US" dirty="0" smtClean="0"/>
+              <a:t>Unlike constructors, they have names.</a:t>
+            </a:r>
+          </a:p>
+          <a:p>
+            <a:pPr lvl="1"/>
+            <a:r>
+              <a:rPr lang="en-US" dirty="0"/>
+              <a:t>f</a:t>
+            </a:r>
+            <a:r>
+              <a:rPr lang="en-US" dirty="0" smtClean="0"/>
+              <a:t>rom, </a:t>
+            </a:r>
             <a:r>
               <a:rPr lang="en-US" dirty="0" err="1" smtClean="0"/>
-              <a:t>Arrays.asList</a:t>
+              <a:t>valueOf</a:t>
+            </a:r>
+            <a:r>
+              <a:rPr lang="en-US" dirty="0" smtClean="0"/>
+              <a:t>, of, …etc.</a:t>
+            </a:r>
+          </a:p>
+          <a:p>
+            <a:r>
+              <a:rPr lang="en-US" dirty="0" smtClean="0"/>
+              <a:t>Unlike constructors, they are not required to create new object each time they’re invoked.</a:t>
+            </a:r>
+          </a:p>
+          <a:p>
+            <a:pPr lvl="1"/>
+            <a:r>
+              <a:rPr lang="en-US" i="1" dirty="0" smtClean="0"/>
+              <a:t>Flyweight pattern.</a:t>
+            </a:r>
+          </a:p>
+          <a:p>
+            <a:r>
+              <a:rPr lang="en-US" dirty="0" smtClean="0"/>
+              <a:t>Unlike constructors, they can return an object of any subtype of their return type.</a:t>
+            </a:r>
+          </a:p>
+          <a:p>
+            <a:r>
+              <a:rPr lang="en-US" dirty="0" smtClean="0"/>
+              <a:t>The class of the returned object can vary from call to call as a function of the input parameters</a:t>
+            </a:r>
+            <a:r>
+              <a:rPr lang="en-US" dirty="0" smtClean="0"/>
+              <a:t>.</a:t>
+            </a:r>
+          </a:p>
+          <a:p>
+            <a:pPr lvl="1"/>
+            <a:r>
+              <a:rPr lang="en-US" dirty="0" err="1" smtClean="0"/>
+              <a:t>EnumSet</a:t>
+            </a:r>
+            <a:r>
+              <a:rPr lang="en-US" dirty="0" smtClean="0"/>
+              <a:t> (</a:t>
+            </a:r>
+            <a:r>
+              <a:rPr lang="en-US" dirty="0" err="1" smtClean="0"/>
+              <a:t>RegularEnumSet</a:t>
+            </a:r>
+            <a:r>
+              <a:rPr lang="en-US" dirty="0" smtClean="0"/>
+              <a:t> or </a:t>
+            </a:r>
+            <a:r>
+              <a:rPr lang="en-US" dirty="0" err="1" smtClean="0"/>
+              <a:t>JumboEnumSet</a:t>
+            </a:r>
+            <a:r>
+              <a:rPr lang="en-US" dirty="0" smtClean="0"/>
+              <a:t>)</a:t>
             </a:r>
             <a:endParaRPr lang="en-US" dirty="0" smtClean="0"/>
           </a:p>
           <a:p>
             <a:r>
-              <a:rPr lang="en-US" dirty="0" err="1" smtClean="0"/>
-              <a:t>List.of</a:t>
+              <a:rPr lang="en-US" dirty="0" smtClean="0"/>
+              <a:t>The class of the returned object need not exist when the class containing the method is written.</a:t>
+            </a:r>
+          </a:p>
+          <a:p>
+            <a:pPr lvl="1"/>
+            <a:r>
+              <a:rPr lang="en-US" i="1" dirty="0" smtClean="0"/>
+              <a:t>Bridge pattern.</a:t>
             </a:r>
             <a:endParaRPr lang="en-US" dirty="0" smtClean="0"/>
           </a:p>
           <a:p>
-            <a:r>
-              <a:rPr lang="en-US" dirty="0" err="1" smtClean="0"/>
-              <a:t>DateTime.from</a:t>
-            </a:r>
-            <a:endParaRPr lang="en-US" dirty="0" smtClean="0"/>
-          </a:p>
-          <a:p>
-            <a:r>
-              <a:rPr lang="en-US" dirty="0" err="1" smtClean="0"/>
-              <a:t>Boolean.valueOf</a:t>
-            </a:r>
-            <a:endParaRPr lang="en-US" dirty="0" smtClean="0"/>
-          </a:p>
-          <a:p>
-            <a:endParaRPr lang="en-US" dirty="0"/>
+            <a:pPr>
+              <a:buFont typeface="Wingdings" panose="05000000000000000000" pitchFamily="2" charset="2"/>
+              <a:buChar char="v"/>
+            </a:pPr>
+            <a:r>
+              <a:rPr lang="en-US" dirty="0" smtClean="0"/>
+              <a:t>The main limitation of providing only static factory methods is that classes without public or protected constructors cannot be sub-classed.</a:t>
+            </a:r>
+          </a:p>
+          <a:p>
+            <a:pPr>
+              <a:buFont typeface="Wingdings" panose="05000000000000000000" pitchFamily="2" charset="2"/>
+              <a:buChar char="v"/>
+            </a:pPr>
+            <a:r>
+              <a:rPr lang="en-US" dirty="0" smtClean="0"/>
+              <a:t>A 2</a:t>
+            </a:r>
+            <a:r>
+              <a:rPr lang="en-US" baseline="30000" dirty="0" smtClean="0"/>
+              <a:t>nd</a:t>
+            </a:r>
+            <a:r>
+              <a:rPr lang="en-US" dirty="0" smtClean="0"/>
+              <a:t> shortcoming of static factory methods is that they are hard for programmers to find.</a:t>
+            </a:r>
           </a:p>
         </p:txBody>
       </p:sp>
     </p:spTree>
     <p:extLst>
       <p:ext uri="{BB962C8B-B14F-4D97-AF65-F5344CB8AC3E}">
-        <p14:creationId xmlns:p14="http://schemas.microsoft.com/office/powerpoint/2010/main" val="2888858686"/>
+        <p14:creationId xmlns:p14="http://schemas.microsoft.com/office/powerpoint/2010/main" val="422578341"/>
       </p:ext>
     </p:extLst>
   </p:cSld>
@@ -3526,7 +3539,185 @@
       </p:grpSpPr>
       <p:sp>
         <p:nvSpPr>
-          <p:cNvPr id="2" name="Title 1"/>
+          <p:cNvPr id="6" name="Title 5"/>
+          <p:cNvSpPr>
+            <a:spLocks noGrp="1"/>
+          </p:cNvSpPr>
+          <p:nvPr>
+            <p:ph type="title"/>
+          </p:nvPr>
+        </p:nvSpPr>
+        <p:spPr/>
+        <p:txBody>
+          <a:bodyPr/>
+          <a:lstStyle/>
+          <a:p>
+            <a:r>
+              <a:rPr lang="en-US" dirty="0" smtClean="0"/>
+              <a:t>Java JDK examples</a:t>
+            </a:r>
+            <a:endParaRPr lang="en-US" dirty="0"/>
+          </a:p>
+        </p:txBody>
+      </p:sp>
+      <p:sp>
+        <p:nvSpPr>
+          <p:cNvPr id="3" name="Content Placeholder 2"/>
+          <p:cNvSpPr>
+            <a:spLocks noGrp="1"/>
+          </p:cNvSpPr>
+          <p:nvPr>
+            <p:ph idx="1"/>
+          </p:nvPr>
+        </p:nvSpPr>
+        <p:spPr>
+          <a:xfrm>
+            <a:off x="457200" y="1600201"/>
+            <a:ext cx="8229600" cy="3629000"/>
+          </a:xfrm>
+        </p:spPr>
+        <p:txBody>
+          <a:bodyPr>
+            <a:normAutofit/>
+          </a:bodyPr>
+          <a:lstStyle/>
+          <a:p>
+            <a:r>
+              <a:rPr lang="en-US" dirty="0" err="1" smtClean="0"/>
+              <a:t>Arrays.asList</a:t>
+            </a:r>
+            <a:endParaRPr lang="en-US" dirty="0" smtClean="0"/>
+          </a:p>
+          <a:p>
+            <a:r>
+              <a:rPr lang="en-US" dirty="0" err="1" smtClean="0"/>
+              <a:t>List.of</a:t>
+            </a:r>
+            <a:endParaRPr lang="en-US" dirty="0" smtClean="0"/>
+          </a:p>
+          <a:p>
+            <a:r>
+              <a:rPr lang="en-US" dirty="0" err="1" smtClean="0"/>
+              <a:t>DateTime.from</a:t>
+            </a:r>
+            <a:endParaRPr lang="en-US" dirty="0" smtClean="0"/>
+          </a:p>
+          <a:p>
+            <a:r>
+              <a:rPr lang="en-US" dirty="0" err="1" smtClean="0"/>
+              <a:t>String.format</a:t>
+            </a:r>
+            <a:endParaRPr lang="en-US" dirty="0" smtClean="0"/>
+          </a:p>
+          <a:p>
+            <a:r>
+              <a:rPr lang="en-US" dirty="0"/>
+              <a:t>(all object types</a:t>
+            </a:r>
+            <a:r>
+              <a:rPr lang="en-US" dirty="0" smtClean="0"/>
+              <a:t>).</a:t>
+            </a:r>
+            <a:r>
+              <a:rPr lang="en-US" dirty="0" err="1" smtClean="0"/>
+              <a:t>valueOf</a:t>
+            </a:r>
+            <a:endParaRPr lang="en-US" dirty="0"/>
+          </a:p>
+          <a:p>
+            <a:r>
+              <a:rPr lang="en-US" dirty="0" smtClean="0"/>
+              <a:t>…</a:t>
+            </a:r>
+            <a:endParaRPr lang="en-US" dirty="0" smtClean="0"/>
+          </a:p>
+        </p:txBody>
+      </p:sp>
+      <p:sp>
+        <p:nvSpPr>
+          <p:cNvPr id="4" name="TextBox 3"/>
+          <p:cNvSpPr txBox="1"/>
+          <p:nvPr/>
+        </p:nvSpPr>
+        <p:spPr>
+          <a:xfrm>
+            <a:off x="755576" y="5445224"/>
+            <a:ext cx="6120680" cy="461665"/>
+          </a:xfrm>
+          <a:prstGeom prst="rect">
+            <a:avLst/>
+          </a:prstGeom>
+          <a:noFill/>
+        </p:spPr>
+        <p:txBody>
+          <a:bodyPr wrap="square" rtlCol="0">
+            <a:spAutoFit/>
+          </a:bodyPr>
+          <a:lstStyle/>
+          <a:p>
+            <a:r>
+              <a:rPr lang="en-US" sz="2400" dirty="0" smtClean="0">
+                <a:solidFill>
+                  <a:srgbClr val="FF0000"/>
+                </a:solidFill>
+                <a:effectLst>
+                  <a:outerShdw blurRad="38100" dist="38100" dir="2700000" algn="tl">
+                    <a:srgbClr val="000000">
+                      <a:alpha val="43137"/>
+                    </a:srgbClr>
+                  </a:outerShdw>
+                </a:effectLst>
+              </a:rPr>
+              <a:t>What properties they all have?</a:t>
+            </a:r>
+            <a:endParaRPr lang="en-US" sz="2400" dirty="0">
+              <a:solidFill>
+                <a:srgbClr val="FF0000"/>
+              </a:solidFill>
+              <a:effectLst>
+                <a:outerShdw blurRad="38100" dist="38100" dir="2700000" algn="tl">
+                  <a:srgbClr val="000000">
+                    <a:alpha val="43137"/>
+                  </a:srgbClr>
+                </a:outerShdw>
+              </a:effectLst>
+            </a:endParaRPr>
+          </a:p>
+        </p:txBody>
+      </p:sp>
+    </p:spTree>
+    <p:extLst>
+      <p:ext uri="{BB962C8B-B14F-4D97-AF65-F5344CB8AC3E}">
+        <p14:creationId xmlns:p14="http://schemas.microsoft.com/office/powerpoint/2010/main" val="2888858686"/>
+      </p:ext>
+    </p:extLst>
+  </p:cSld>
+  <p:clrMapOvr>
+    <a:masterClrMapping/>
+  </p:clrMapOvr>
+</p:sld>
+</file>
+
+<file path=ppt/slides/slide6.xml><?xml version="1.0" encoding="utf-8"?>
+<p:sld xmlns:a="http://schemas.openxmlformats.org/drawingml/2006/main" xmlns:r="http://schemas.openxmlformats.org/officeDocument/2006/relationships" xmlns:p="http://schemas.openxmlformats.org/presentationml/2006/main">
+  <p:cSld>
+    <p:spTree>
+      <p:nvGrpSpPr>
+        <p:cNvPr id="1" name=""/>
+        <p:cNvGrpSpPr/>
+        <p:nvPr/>
+      </p:nvGrpSpPr>
+      <p:grpSpPr>
+        <a:xfrm>
+          <a:off x="0" y="0"/>
+          <a:ext cx="0" cy="0"/>
+          <a:chOff x="0" y="0"/>
+          <a:chExt cx="0" cy="0"/>
+        </a:xfrm>
+      </p:grpSpPr>
+      <p:sp>
+        <p:nvSpPr>
+          <p:cNvPr id="4" name="Title 3"/>
           <p:cNvSpPr>
             <a:spLocks noGrp="1"/>
           </p:cNvSpPr>
@@ -3543,12 +3734,93 @@
           <a:p>
             <a:r>
               <a:rPr lang="en-US" dirty="0" smtClean="0"/>
-              <a:t>Item2: Consider a builder when faced with many constructor parameters</a:t>
+              <a:t>Consider </a:t>
+            </a:r>
+            <a:r>
+              <a:rPr lang="en-US" dirty="0"/>
+              <a:t>a builder when faced with many constructor parameters</a:t>
+            </a:r>
+          </a:p>
+        </p:txBody>
+      </p:sp>
+      <p:sp>
+        <p:nvSpPr>
+          <p:cNvPr id="5" name="Text Placeholder 4"/>
+          <p:cNvSpPr>
+            <a:spLocks noGrp="1"/>
+          </p:cNvSpPr>
+          <p:nvPr>
+            <p:ph type="body" idx="1"/>
+          </p:nvPr>
+        </p:nvSpPr>
+        <p:spPr/>
+        <p:txBody>
+          <a:bodyPr/>
+          <a:lstStyle/>
+          <a:p>
+            <a:r>
+              <a:rPr lang="en-US" dirty="0" smtClean="0"/>
+              <a:t>Item2</a:t>
             </a:r>
             <a:endParaRPr lang="en-US" dirty="0"/>
           </a:p>
         </p:txBody>
       </p:sp>
+    </p:spTree>
+    <p:extLst>
+      <p:ext uri="{BB962C8B-B14F-4D97-AF65-F5344CB8AC3E}">
+        <p14:creationId xmlns:p14="http://schemas.microsoft.com/office/powerpoint/2010/main" val="183280808"/>
+      </p:ext>
+    </p:extLst>
+  </p:cSld>
+  <p:clrMapOvr>
+    <a:masterClrMapping/>
+  </p:clrMapOvr>
+</p:sld>
+</file>
+
+<file path=ppt/slides/slide7.xml><?xml version="1.0" encoding="utf-8"?>
+<p:sld xmlns:a="http://schemas.openxmlformats.org/drawingml/2006/main" xmlns:r="http://schemas.openxmlformats.org/officeDocument/2006/relationships" xmlns:p="http://schemas.openxmlformats.org/presentationml/2006/main">
+  <p:cSld>
+    <p:spTree>
+      <p:nvGrpSpPr>
+        <p:cNvPr id="1" name=""/>
+        <p:cNvGrpSpPr/>
+        <p:nvPr/>
+      </p:nvGrpSpPr>
+      <p:grpSpPr>
+        <a:xfrm>
+          <a:off x="0" y="0"/>
+          <a:ext cx="0" cy="0"/>
+          <a:chOff x="0" y="0"/>
+          <a:chExt cx="0" cy="0"/>
+        </a:xfrm>
+      </p:grpSpPr>
+      <p:sp>
+        <p:nvSpPr>
+          <p:cNvPr id="2" name="Title 1"/>
+          <p:cNvSpPr>
+            <a:spLocks noGrp="1"/>
+          </p:cNvSpPr>
+          <p:nvPr>
+            <p:ph type="title"/>
+          </p:nvPr>
+        </p:nvSpPr>
+        <p:spPr/>
+        <p:txBody>
+          <a:bodyPr>
+            <a:normAutofit/>
+          </a:bodyPr>
+          <a:lstStyle/>
+          <a:p>
+            <a:r>
+              <a:rPr lang="en-US" dirty="0" smtClean="0"/>
+              <a:t>Compare three workable patterns</a:t>
+            </a:r>
+            <a:endParaRPr lang="en-US" dirty="0"/>
+          </a:p>
+        </p:txBody>
+      </p:sp>
       <p:sp>
         <p:nvSpPr>
           <p:cNvPr id="3" name="Content Placeholder 2"/>
@@ -3561,7 +3833,9 @@
         </p:nvSpPr>
         <p:spPr/>
         <p:txBody>
-          <a:bodyPr/>
+          <a:bodyPr>
+            <a:normAutofit lnSpcReduction="10000"/>
+          </a:bodyPr>
           <a:lstStyle/>
           <a:p>
             <a:r>
@@ -3580,8 +3854,20 @@
             <a:pPr lvl="1"/>
             <a:r>
               <a:rPr lang="en-US" dirty="0" smtClean="0"/>
-              <a:t>Must differ in either parameter count or type</a:t>
-            </a:r>
+              <a:t>Must differ in either parameter count or </a:t>
+            </a:r>
+            <a:r>
+              <a:rPr lang="en-US" dirty="0" smtClean="0"/>
+              <a:t>type</a:t>
+            </a:r>
+          </a:p>
+          <a:p>
+            <a:pPr lvl="1"/>
+            <a:r>
+              <a:rPr lang="en-US" dirty="0" smtClean="0"/>
+              <a:t>It is hard to write client code when there are many parameters, and harder still to read it</a:t>
+            </a:r>
+            <a:endParaRPr lang="en-US" dirty="0" smtClean="0"/>
           </a:p>
           <a:p>
             <a:r>
@@ -3608,6 +3894,447 @@
     <p:extLst>
       <p:ext uri="{BB962C8B-B14F-4D97-AF65-F5344CB8AC3E}">
         <p14:creationId xmlns:p14="http://schemas.microsoft.com/office/powerpoint/2010/main" val="3069588789"/>
+      </p:ext>
+    </p:extLst>
+  </p:cSld>
+  <p:clrMapOvr>
+    <a:masterClrMapping/>
+  </p:clrMapOvr>
+</p:sld>
+</file>
+
+<file path=ppt/slides/slide8.xml><?xml version="1.0" encoding="utf-8"?>
+<p:sld xmlns:a="http://schemas.openxmlformats.org/drawingml/2006/main" xmlns:r="http://schemas.openxmlformats.org/officeDocument/2006/relationships" xmlns:p="http://schemas.openxmlformats.org/presentationml/2006/main">
+  <p:cSld>
+    <p:spTree>
+      <p:nvGrpSpPr>
+        <p:cNvPr id="1" name=""/>
+        <p:cNvGrpSpPr/>
+        <p:nvPr/>
+      </p:nvGrpSpPr>
+      <p:grpSpPr>
+        <a:xfrm>
+          <a:off x="0" y="0"/>
+          <a:ext cx="0" cy="0"/>
+          <a:chOff x="0" y="0"/>
+          <a:chExt cx="0" cy="0"/>
+        </a:xfrm>
+      </p:grpSpPr>
+      <p:sp>
+        <p:nvSpPr>
+          <p:cNvPr id="4" name="Title 3"/>
+          <p:cNvSpPr>
+            <a:spLocks noGrp="1"/>
+          </p:cNvSpPr>
+          <p:nvPr>
+            <p:ph type="title"/>
+          </p:nvPr>
+        </p:nvSpPr>
+        <p:spPr/>
+        <p:txBody>
+          <a:bodyPr>
+            <a:normAutofit fontScale="90000"/>
+          </a:bodyPr>
+          <a:lstStyle/>
+          <a:p>
+            <a:r>
+              <a:rPr lang="en-US" dirty="0" smtClean="0"/>
+              <a:t>Enforce </a:t>
+            </a:r>
+            <a:r>
+              <a:rPr lang="en-US" dirty="0"/>
+              <a:t>the singleton property with a private constructor or an </a:t>
+            </a:r>
+            <a:r>
+              <a:rPr lang="en-US" dirty="0" err="1"/>
+              <a:t>enum</a:t>
+            </a:r>
+            <a:r>
+              <a:rPr lang="en-US" dirty="0"/>
+              <a:t> type.</a:t>
+            </a:r>
+          </a:p>
+        </p:txBody>
+      </p:sp>
+      <p:sp>
+        <p:nvSpPr>
+          <p:cNvPr id="5" name="Text Placeholder 4"/>
+          <p:cNvSpPr>
+            <a:spLocks noGrp="1"/>
+          </p:cNvSpPr>
+          <p:nvPr>
+            <p:ph type="body" idx="1"/>
+          </p:nvPr>
+        </p:nvSpPr>
+        <p:spPr/>
+        <p:txBody>
+          <a:bodyPr/>
+          <a:lstStyle/>
+          <a:p>
+            <a:r>
+              <a:rPr lang="en-US" dirty="0" smtClean="0"/>
+              <a:t>Item3</a:t>
+            </a:r>
+            <a:endParaRPr lang="en-US" dirty="0"/>
+          </a:p>
+        </p:txBody>
+      </p:sp>
+    </p:spTree>
+    <p:extLst>
+      <p:ext uri="{BB962C8B-B14F-4D97-AF65-F5344CB8AC3E}">
+        <p14:creationId xmlns:p14="http://schemas.microsoft.com/office/powerpoint/2010/main" val="496893314"/>
+      </p:ext>
+    </p:extLst>
+  </p:cSld>
+  <p:clrMapOvr>
+    <a:masterClrMapping/>
+  </p:clrMapOvr>
+</p:sld>
+</file>
+
+<file path=ppt/slides/slide9.xml><?xml version="1.0" encoding="utf-8"?>
+<p:sld xmlns:a="http://schemas.openxmlformats.org/drawingml/2006/main" xmlns:r="http://schemas.openxmlformats.org/officeDocument/2006/relationships" xmlns:p="http://schemas.openxmlformats.org/presentationml/2006/main">
+  <p:cSld>
+    <p:spTree>
+      <p:nvGrpSpPr>
+        <p:cNvPr id="1" name=""/>
+        <p:cNvGrpSpPr/>
+        <p:nvPr/>
+      </p:nvGrpSpPr>
+      <p:grpSpPr>
+        <a:xfrm>
+          <a:off x="0" y="0"/>
+          <a:ext cx="0" cy="0"/>
+          <a:chOff x="0" y="0"/>
+          <a:chExt cx="0" cy="0"/>
+        </a:xfrm>
+      </p:grpSpPr>
+      <p:sp>
+        <p:nvSpPr>
+          <p:cNvPr id="2" name="Title 1"/>
+          <p:cNvSpPr>
+            <a:spLocks noGrp="1"/>
+          </p:cNvSpPr>
+          <p:nvPr>
+            <p:ph type="title"/>
+          </p:nvPr>
+        </p:nvSpPr>
+        <p:spPr/>
+        <p:txBody>
+          <a:bodyPr>
+            <a:noAutofit/>
+          </a:bodyPr>
+          <a:lstStyle/>
+          <a:p>
+            <a:r>
+              <a:rPr lang="en-US" dirty="0" smtClean="0"/>
+              <a:t>Three</a:t>
+            </a:r>
+            <a:r>
+              <a:rPr lang="en-US" sz="3600" dirty="0" smtClean="0"/>
+              <a:t> ways to implement singleton</a:t>
+            </a:r>
+            <a:endParaRPr lang="en-US" sz="3600" dirty="0"/>
+          </a:p>
+        </p:txBody>
+      </p:sp>
+      <p:sp>
+        <p:nvSpPr>
+          <p:cNvPr id="3" name="Content Placeholder 2"/>
+          <p:cNvSpPr>
+            <a:spLocks noGrp="1"/>
+          </p:cNvSpPr>
+          <p:nvPr>
+            <p:ph idx="1"/>
+          </p:nvPr>
+        </p:nvSpPr>
+        <p:spPr>
+          <a:xfrm>
+            <a:off x="457200" y="1600200"/>
+            <a:ext cx="8229600" cy="4205064"/>
+          </a:xfrm>
+        </p:spPr>
+        <p:txBody>
+          <a:bodyPr>
+            <a:normAutofit fontScale="70000" lnSpcReduction="20000"/>
+          </a:bodyPr>
+          <a:lstStyle/>
+          <a:p>
+            <a:r>
+              <a:rPr lang="en-US" dirty="0" smtClean="0"/>
+              <a:t>Singleton with public final field</a:t>
+            </a:r>
+          </a:p>
+          <a:p>
+            <a:pPr lvl="1"/>
+            <a:r>
+              <a:rPr lang="en-US" dirty="0" smtClean="0"/>
+              <a:t>The public static field is final, so it will always contain the same object reference.</a:t>
+            </a:r>
+          </a:p>
+          <a:p>
+            <a:pPr lvl="1"/>
+            <a:r>
+              <a:rPr lang="en-US" dirty="0" smtClean="0"/>
+              <a:t>It is simpler.</a:t>
+            </a:r>
+          </a:p>
+          <a:p>
+            <a:r>
+              <a:rPr lang="en-US" dirty="0" smtClean="0"/>
+              <a:t>Singleton with static factory</a:t>
+            </a:r>
+          </a:p>
+          <a:p>
+            <a:pPr lvl="1"/>
+            <a:r>
+              <a:rPr lang="en-US" dirty="0" smtClean="0"/>
+              <a:t>Gives the flexibility to change mind about whether the class is a singleton without change its API</a:t>
+            </a:r>
+          </a:p>
+          <a:p>
+            <a:pPr lvl="1"/>
+            <a:r>
+              <a:rPr lang="en-US" dirty="0" smtClean="0"/>
+              <a:t>Can write a generic singleton factory if application requires.</a:t>
+            </a:r>
+          </a:p>
+          <a:p>
+            <a:pPr lvl="1"/>
+            <a:r>
+              <a:rPr lang="en-US" dirty="0" smtClean="0"/>
+              <a:t>A method reference can be used as a supplier.</a:t>
+            </a:r>
+          </a:p>
+          <a:p>
+            <a:r>
+              <a:rPr lang="en-US" dirty="0" err="1" smtClean="0"/>
+              <a:t>Enum</a:t>
+            </a:r>
+            <a:r>
+              <a:rPr lang="en-US" dirty="0" smtClean="0"/>
+              <a:t> Singleton</a:t>
+            </a:r>
+          </a:p>
+          <a:p>
+            <a:pPr lvl="1"/>
+            <a:r>
+              <a:rPr lang="en-US" dirty="0" smtClean="0"/>
+              <a:t>May feel a bit unnatural, but a singleton-element </a:t>
+            </a:r>
+            <a:r>
+              <a:rPr lang="en-US" dirty="0" err="1" smtClean="0"/>
+              <a:t>enum</a:t>
+            </a:r>
+            <a:r>
+              <a:rPr lang="en-US" dirty="0" smtClean="0"/>
+              <a:t> type is often the best way to implement a singleton</a:t>
+            </a:r>
+          </a:p>
+          <a:p>
+            <a:pPr lvl="1"/>
+            <a:r>
+              <a:rPr lang="en-US" dirty="0" smtClean="0"/>
+              <a:t>Only this one is thread-safe</a:t>
+            </a:r>
+          </a:p>
+        </p:txBody>
+      </p:sp>
+      <p:sp>
+        <p:nvSpPr>
+          <p:cNvPr id="4" name="TextBox 3"/>
+          <p:cNvSpPr txBox="1"/>
+          <p:nvPr/>
+        </p:nvSpPr>
+        <p:spPr>
+          <a:xfrm>
+            <a:off x="1646185" y="1124744"/>
+            <a:ext cx="7488832" cy="400110"/>
+          </a:xfrm>
+          <a:prstGeom prst="rect">
+            <a:avLst/>
+          </a:prstGeom>
+          <a:noFill/>
+        </p:spPr>
+        <p:txBody>
+          <a:bodyPr wrap="square" rtlCol="0">
+            <a:spAutoFit/>
+          </a:bodyPr>
+          <a:lstStyle/>
+          <a:p>
+            <a:pPr marL="342900" indent="-342900">
+              <a:buFont typeface="Wingdings" panose="05000000000000000000" pitchFamily="2" charset="2"/>
+              <a:buChar char="v"/>
+            </a:pPr>
+            <a:r>
+              <a:rPr lang="en-US" sz="2000" i="1" dirty="0" smtClean="0">
+                <a:solidFill>
+                  <a:srgbClr val="FF0000"/>
+                </a:solidFill>
+                <a:effectLst>
+                  <a:outerShdw blurRad="38100" dist="38100" dir="2700000" algn="tl">
+                    <a:srgbClr val="000000">
+                      <a:alpha val="43137"/>
+                    </a:srgbClr>
+                  </a:outerShdw>
+                </a:effectLst>
+              </a:rPr>
+              <a:t>Making </a:t>
+            </a:r>
+            <a:r>
+              <a:rPr lang="en-US" sz="2000" i="1" dirty="0">
+                <a:solidFill>
+                  <a:srgbClr val="FF0000"/>
+                </a:solidFill>
+                <a:effectLst>
+                  <a:outerShdw blurRad="38100" dist="38100" dir="2700000" algn="tl">
+                    <a:srgbClr val="000000">
+                      <a:alpha val="43137"/>
+                    </a:srgbClr>
+                  </a:outerShdw>
+                </a:effectLst>
+              </a:rPr>
+              <a:t>a class a singleton can make it difficult to test its clients</a:t>
+            </a:r>
+            <a:r>
+              <a:rPr lang="en-US" sz="2000" i="1" dirty="0" smtClean="0">
+                <a:solidFill>
+                  <a:srgbClr val="FF0000"/>
+                </a:solidFill>
+                <a:effectLst>
+                  <a:outerShdw blurRad="38100" dist="38100" dir="2700000" algn="tl">
+                    <a:srgbClr val="000000">
+                      <a:alpha val="43137"/>
+                    </a:srgbClr>
+                  </a:outerShdw>
+                </a:effectLst>
+              </a:rPr>
+              <a:t>.</a:t>
+            </a:r>
+            <a:endParaRPr lang="en-US" sz="2000" i="1" dirty="0">
+              <a:solidFill>
+                <a:srgbClr val="FF0000"/>
+              </a:solidFill>
+              <a:effectLst>
+                <a:outerShdw blurRad="38100" dist="38100" dir="2700000" algn="tl">
+                  <a:srgbClr val="000000">
+                    <a:alpha val="43137"/>
+                  </a:srgbClr>
+                </a:outerShdw>
+              </a:effectLst>
+            </a:endParaRPr>
+          </a:p>
+        </p:txBody>
+      </p:sp>
+      <p:sp>
+        <p:nvSpPr>
+          <p:cNvPr id="6" name="TextBox 5"/>
+          <p:cNvSpPr txBox="1"/>
+          <p:nvPr/>
+        </p:nvSpPr>
+        <p:spPr>
+          <a:xfrm>
+            <a:off x="633702" y="5733256"/>
+            <a:ext cx="7488832" cy="923330"/>
+          </a:xfrm>
+          <a:prstGeom prst="rect">
+            <a:avLst/>
+          </a:prstGeom>
+          <a:noFill/>
+        </p:spPr>
+        <p:txBody>
+          <a:bodyPr wrap="square" rtlCol="0">
+            <a:spAutoFit/>
+          </a:bodyPr>
+          <a:lstStyle/>
+          <a:p>
+            <a:pPr algn="ctr"/>
+            <a:r>
+              <a:rPr lang="en-US" b="1" u="sng" dirty="0">
+                <a:solidFill>
+                  <a:srgbClr val="7030A0"/>
+                </a:solidFill>
+              </a:rPr>
+              <a:t>Bill-Pugh Singleton (</a:t>
+            </a:r>
+            <a:r>
+              <a:rPr lang="en-US" b="1" u="sng" dirty="0" err="1">
+                <a:solidFill>
+                  <a:srgbClr val="7030A0"/>
+                </a:solidFill>
+              </a:rPr>
+              <a:t>Siwei’s</a:t>
+            </a:r>
+            <a:r>
+              <a:rPr lang="en-US" b="1" u="sng" dirty="0">
+                <a:solidFill>
+                  <a:srgbClr val="7030A0"/>
+                </a:solidFill>
+              </a:rPr>
+              <a:t> </a:t>
+            </a:r>
+            <a:r>
+              <a:rPr lang="en-US" b="1" u="sng" dirty="0" smtClean="0">
+                <a:solidFill>
+                  <a:srgbClr val="7030A0"/>
+                </a:solidFill>
+              </a:rPr>
+              <a:t>appendix)</a:t>
+            </a:r>
+          </a:p>
+          <a:p>
+            <a:r>
+              <a:rPr lang="en-US" dirty="0" smtClean="0">
+                <a:solidFill>
+                  <a:srgbClr val="7030A0"/>
+                </a:solidFill>
+              </a:rPr>
+              <a:t>Implementation </a:t>
+            </a:r>
+            <a:r>
+              <a:rPr lang="en-US" dirty="0">
+                <a:solidFill>
+                  <a:srgbClr val="7030A0"/>
+                </a:solidFill>
+              </a:rPr>
+              <a:t>using the static inner helper class. Static inner classes are not loaded into memory until their </a:t>
+            </a:r>
+            <a:r>
+              <a:rPr lang="en-US" dirty="0" err="1">
+                <a:solidFill>
+                  <a:srgbClr val="7030A0"/>
+                </a:solidFill>
+              </a:rPr>
+              <a:t>getInstance</a:t>
+            </a:r>
+            <a:r>
+              <a:rPr lang="en-US" dirty="0">
+                <a:solidFill>
+                  <a:srgbClr val="7030A0"/>
+                </a:solidFill>
+              </a:rPr>
+              <a:t>() methods are </a:t>
+            </a:r>
+            <a:r>
+              <a:rPr lang="en-US" dirty="0" smtClean="0">
+                <a:solidFill>
+                  <a:srgbClr val="7030A0"/>
+                </a:solidFill>
+              </a:rPr>
+              <a:t>called.</a:t>
+            </a:r>
+            <a:endParaRPr lang="en-US" dirty="0">
+              <a:solidFill>
+                <a:srgbClr val="7030A0"/>
+              </a:solidFill>
+            </a:endParaRPr>
+          </a:p>
+        </p:txBody>
+      </p:sp>
+    </p:spTree>
+    <p:extLst>
+      <p:ext uri="{BB962C8B-B14F-4D97-AF65-F5344CB8AC3E}">
+        <p14:creationId xmlns:p14="http://schemas.microsoft.com/office/powerpoint/2010/main" val="1035104547"/>
       </p:ext>
     </p:extLst>
   </p:cSld>

--- a/src/main/resources/introduction.pptx
+++ b/src/main/resources/introduction.pptx
@@ -14,6 +14,10 @@
     <p:sldId id="259" r:id="rId8"/>
     <p:sldId id="264" r:id="rId9"/>
     <p:sldId id="261" r:id="rId10"/>
+    <p:sldId id="265" r:id="rId11"/>
+    <p:sldId id="266" r:id="rId12"/>
+    <p:sldId id="267" r:id="rId13"/>
+    <p:sldId id="268" r:id="rId14"/>
   </p:sldIdLst>
   <p:sldSz cx="9144000" cy="6858000" type="screen4x3"/>
   <p:notesSz cx="6858000" cy="9144000"/>
@@ -3166,6 +3170,345 @@
 </p:sld>
 </file>
 
+<file path=ppt/slides/slide10.xml><?xml version="1.0" encoding="utf-8"?>
+<p:sld xmlns:a="http://schemas.openxmlformats.org/drawingml/2006/main" xmlns:r="http://schemas.openxmlformats.org/officeDocument/2006/relationships" xmlns:p="http://schemas.openxmlformats.org/presentationml/2006/main">
+  <p:cSld>
+    <p:spTree>
+      <p:nvGrpSpPr>
+        <p:cNvPr id="1" name=""/>
+        <p:cNvGrpSpPr/>
+        <p:nvPr/>
+      </p:nvGrpSpPr>
+      <p:grpSpPr>
+        <a:xfrm>
+          <a:off x="0" y="0"/>
+          <a:ext cx="0" cy="0"/>
+          <a:chOff x="0" y="0"/>
+          <a:chExt cx="0" cy="0"/>
+        </a:xfrm>
+      </p:grpSpPr>
+      <p:sp>
+        <p:nvSpPr>
+          <p:cNvPr id="4" name="Title 3"/>
+          <p:cNvSpPr>
+            <a:spLocks noGrp="1"/>
+          </p:cNvSpPr>
+          <p:nvPr>
+            <p:ph type="title"/>
+          </p:nvPr>
+        </p:nvSpPr>
+        <p:spPr/>
+        <p:txBody>
+          <a:bodyPr/>
+          <a:lstStyle/>
+          <a:p>
+            <a:r>
+              <a:rPr lang="en-US" dirty="0" smtClean="0"/>
+              <a:t>Enforce </a:t>
+            </a:r>
+            <a:r>
+              <a:rPr lang="en-US" dirty="0" err="1" smtClean="0"/>
+              <a:t>noninstantiability</a:t>
+            </a:r>
+            <a:r>
+              <a:rPr lang="en-US" dirty="0" smtClean="0"/>
+              <a:t> with a private constructor</a:t>
+            </a:r>
+            <a:endParaRPr lang="en-US" dirty="0"/>
+          </a:p>
+        </p:txBody>
+      </p:sp>
+      <p:sp>
+        <p:nvSpPr>
+          <p:cNvPr id="5" name="Text Placeholder 4"/>
+          <p:cNvSpPr>
+            <a:spLocks noGrp="1"/>
+          </p:cNvSpPr>
+          <p:nvPr>
+            <p:ph type="body" idx="1"/>
+          </p:nvPr>
+        </p:nvSpPr>
+        <p:spPr/>
+        <p:txBody>
+          <a:bodyPr/>
+          <a:lstStyle/>
+          <a:p>
+            <a:r>
+              <a:rPr lang="en-US" dirty="0" smtClean="0"/>
+              <a:t>Item 4</a:t>
+            </a:r>
+            <a:endParaRPr lang="en-US" dirty="0"/>
+          </a:p>
+        </p:txBody>
+      </p:sp>
+    </p:spTree>
+    <p:extLst>
+      <p:ext uri="{BB962C8B-B14F-4D97-AF65-F5344CB8AC3E}">
+        <p14:creationId xmlns:p14="http://schemas.microsoft.com/office/powerpoint/2010/main" val="3355223640"/>
+      </p:ext>
+    </p:extLst>
+  </p:cSld>
+  <p:clrMapOvr>
+    <a:masterClrMapping/>
+  </p:clrMapOvr>
+</p:sld>
+</file>
+
+<file path=ppt/slides/slide11.xml><?xml version="1.0" encoding="utf-8"?>
+<p:sld xmlns:a="http://schemas.openxmlformats.org/drawingml/2006/main" xmlns:r="http://schemas.openxmlformats.org/officeDocument/2006/relationships" xmlns:p="http://schemas.openxmlformats.org/presentationml/2006/main">
+  <p:cSld>
+    <p:spTree>
+      <p:nvGrpSpPr>
+        <p:cNvPr id="1" name=""/>
+        <p:cNvGrpSpPr/>
+        <p:nvPr/>
+      </p:nvGrpSpPr>
+      <p:grpSpPr>
+        <a:xfrm>
+          <a:off x="0" y="0"/>
+          <a:ext cx="0" cy="0"/>
+          <a:chOff x="0" y="0"/>
+          <a:chExt cx="0" cy="0"/>
+        </a:xfrm>
+      </p:grpSpPr>
+      <p:sp>
+        <p:nvSpPr>
+          <p:cNvPr id="4" name="Title 3"/>
+          <p:cNvSpPr>
+            <a:spLocks noGrp="1"/>
+          </p:cNvSpPr>
+          <p:nvPr>
+            <p:ph type="title"/>
+          </p:nvPr>
+        </p:nvSpPr>
+        <p:spPr/>
+        <p:txBody>
+          <a:bodyPr/>
+          <a:lstStyle/>
+          <a:p>
+            <a:endParaRPr lang="en-US" dirty="0"/>
+          </a:p>
+        </p:txBody>
+      </p:sp>
+      <p:sp>
+        <p:nvSpPr>
+          <p:cNvPr id="5" name="Content Placeholder 4"/>
+          <p:cNvSpPr>
+            <a:spLocks noGrp="1"/>
+          </p:cNvSpPr>
+          <p:nvPr>
+            <p:ph idx="1"/>
+          </p:nvPr>
+        </p:nvSpPr>
+        <p:spPr/>
+        <p:txBody>
+          <a:bodyPr/>
+          <a:lstStyle/>
+          <a:p>
+            <a:r>
+              <a:rPr lang="en-US" dirty="0" smtClean="0"/>
+              <a:t>Attempting to enforce </a:t>
+            </a:r>
+            <a:r>
+              <a:rPr lang="en-US" dirty="0" err="1" smtClean="0"/>
+              <a:t>noninstantiability</a:t>
+            </a:r>
+            <a:r>
+              <a:rPr lang="en-US" dirty="0" smtClean="0"/>
+              <a:t> by making a class abstract does not work</a:t>
+            </a:r>
+          </a:p>
+          <a:p>
+            <a:pPr lvl="1"/>
+            <a:r>
+              <a:rPr lang="en-US" dirty="0" smtClean="0"/>
+              <a:t>Subclass instantiated.</a:t>
+            </a:r>
+          </a:p>
+          <a:p>
+            <a:pPr lvl="1"/>
+            <a:r>
+              <a:rPr lang="en-US" dirty="0" smtClean="0"/>
+              <a:t>It misleads into thinking the class was designed for inheritance.</a:t>
+            </a:r>
+          </a:p>
+          <a:p>
+            <a:r>
+              <a:rPr lang="en-US" dirty="0" smtClean="0"/>
+              <a:t>Siwei perspective</a:t>
+            </a:r>
+          </a:p>
+          <a:p>
+            <a:pPr lvl="1"/>
+            <a:r>
+              <a:rPr lang="en-US" dirty="0" smtClean="0"/>
+              <a:t>It is not a class, it is name-space.</a:t>
+            </a:r>
+          </a:p>
+        </p:txBody>
+      </p:sp>
+    </p:spTree>
+    <p:extLst>
+      <p:ext uri="{BB962C8B-B14F-4D97-AF65-F5344CB8AC3E}">
+        <p14:creationId xmlns:p14="http://schemas.microsoft.com/office/powerpoint/2010/main" val="307886621"/>
+      </p:ext>
+    </p:extLst>
+  </p:cSld>
+  <p:clrMapOvr>
+    <a:masterClrMapping/>
+  </p:clrMapOvr>
+</p:sld>
+</file>
+
+<file path=ppt/slides/slide12.xml><?xml version="1.0" encoding="utf-8"?>
+<p:sld xmlns:a="http://schemas.openxmlformats.org/drawingml/2006/main" xmlns:r="http://schemas.openxmlformats.org/officeDocument/2006/relationships" xmlns:p="http://schemas.openxmlformats.org/presentationml/2006/main">
+  <p:cSld>
+    <p:spTree>
+      <p:nvGrpSpPr>
+        <p:cNvPr id="1" name=""/>
+        <p:cNvGrpSpPr/>
+        <p:nvPr/>
+      </p:nvGrpSpPr>
+      <p:grpSpPr>
+        <a:xfrm>
+          <a:off x="0" y="0"/>
+          <a:ext cx="0" cy="0"/>
+          <a:chOff x="0" y="0"/>
+          <a:chExt cx="0" cy="0"/>
+        </a:xfrm>
+      </p:grpSpPr>
+      <p:sp>
+        <p:nvSpPr>
+          <p:cNvPr id="4" name="Title 3"/>
+          <p:cNvSpPr>
+            <a:spLocks noGrp="1"/>
+          </p:cNvSpPr>
+          <p:nvPr>
+            <p:ph type="title"/>
+          </p:nvPr>
+        </p:nvSpPr>
+        <p:spPr/>
+        <p:txBody>
+          <a:bodyPr/>
+          <a:lstStyle/>
+          <a:p>
+            <a:r>
+              <a:rPr lang="en-US" dirty="0" smtClean="0"/>
+              <a:t>Prefer dependency injection to hardwiring resources</a:t>
+            </a:r>
+            <a:endParaRPr lang="en-US" dirty="0"/>
+          </a:p>
+        </p:txBody>
+      </p:sp>
+      <p:sp>
+        <p:nvSpPr>
+          <p:cNvPr id="5" name="Text Placeholder 4"/>
+          <p:cNvSpPr>
+            <a:spLocks noGrp="1"/>
+          </p:cNvSpPr>
+          <p:nvPr>
+            <p:ph type="body" idx="1"/>
+          </p:nvPr>
+        </p:nvSpPr>
+        <p:spPr/>
+        <p:txBody>
+          <a:bodyPr/>
+          <a:lstStyle/>
+          <a:p>
+            <a:r>
+              <a:rPr lang="en-US" dirty="0" smtClean="0"/>
+              <a:t>Item 5</a:t>
+            </a:r>
+          </a:p>
+        </p:txBody>
+      </p:sp>
+    </p:spTree>
+    <p:extLst>
+      <p:ext uri="{BB962C8B-B14F-4D97-AF65-F5344CB8AC3E}">
+        <p14:creationId xmlns:p14="http://schemas.microsoft.com/office/powerpoint/2010/main" val="2332844253"/>
+      </p:ext>
+    </p:extLst>
+  </p:cSld>
+  <p:clrMapOvr>
+    <a:masterClrMapping/>
+  </p:clrMapOvr>
+</p:sld>
+</file>
+
+<file path=ppt/slides/slide13.xml><?xml version="1.0" encoding="utf-8"?>
+<p:sld xmlns:a="http://schemas.openxmlformats.org/drawingml/2006/main" xmlns:r="http://schemas.openxmlformats.org/officeDocument/2006/relationships" xmlns:p="http://schemas.openxmlformats.org/presentationml/2006/main">
+  <p:cSld>
+    <p:spTree>
+      <p:nvGrpSpPr>
+        <p:cNvPr id="1" name=""/>
+        <p:cNvGrpSpPr/>
+        <p:nvPr/>
+      </p:nvGrpSpPr>
+      <p:grpSpPr>
+        <a:xfrm>
+          <a:off x="0" y="0"/>
+          <a:ext cx="0" cy="0"/>
+          <a:chOff x="0" y="0"/>
+          <a:chExt cx="0" cy="0"/>
+        </a:xfrm>
+      </p:grpSpPr>
+      <p:sp>
+        <p:nvSpPr>
+          <p:cNvPr id="4" name="Title 3"/>
+          <p:cNvSpPr>
+            <a:spLocks noGrp="1"/>
+          </p:cNvSpPr>
+          <p:nvPr>
+            <p:ph type="title"/>
+          </p:nvPr>
+        </p:nvSpPr>
+        <p:spPr/>
+        <p:txBody>
+          <a:bodyPr/>
+          <a:lstStyle/>
+          <a:p>
+            <a:endParaRPr lang="en-US"/>
+          </a:p>
+        </p:txBody>
+      </p:sp>
+      <p:sp>
+        <p:nvSpPr>
+          <p:cNvPr id="5" name="Content Placeholder 4"/>
+          <p:cNvSpPr>
+            <a:spLocks noGrp="1"/>
+          </p:cNvSpPr>
+          <p:nvPr>
+            <p:ph idx="1"/>
+          </p:nvPr>
+        </p:nvSpPr>
+        <p:spPr/>
+        <p:txBody>
+          <a:bodyPr/>
+          <a:lstStyle/>
+          <a:p>
+            <a:r>
+              <a:rPr lang="en-US" smtClean="0"/>
+              <a:t>Dependency Injection</a:t>
+            </a:r>
+          </a:p>
+          <a:p>
+            <a:endParaRPr lang="en-US"/>
+          </a:p>
+        </p:txBody>
+      </p:sp>
+    </p:spTree>
+    <p:extLst>
+      <p:ext uri="{BB962C8B-B14F-4D97-AF65-F5344CB8AC3E}">
+        <p14:creationId xmlns:p14="http://schemas.microsoft.com/office/powerpoint/2010/main" val="3159275199"/>
+      </p:ext>
+    </p:extLst>
+  </p:cSld>
+  <p:clrMapOvr>
+    <a:masterClrMapping/>
+  </p:clrMapOvr>
+</p:sld>
+</file>
+
 <file path=ppt/slides/slide2.xml><?xml version="1.0" encoding="utf-8"?>
 <p:sld xmlns:a="http://schemas.openxmlformats.org/drawingml/2006/main" xmlns:r="http://schemas.openxmlformats.org/officeDocument/2006/relationships" xmlns:p="http://schemas.openxmlformats.org/presentationml/2006/main">
   <p:cSld>
@@ -3428,11 +3771,7 @@
           <a:p>
             <a:r>
               <a:rPr lang="en-US" dirty="0" smtClean="0"/>
-              <a:t>The class of the returned object can vary from call to call as a function of the input parameters</a:t>
-            </a:r>
-            <a:r>
-              <a:rPr lang="en-US" dirty="0" smtClean="0"/>
-              <a:t>.</a:t>
+              <a:t>The class of the returned object can vary from call to call as a function of the input parameters.</a:t>
             </a:r>
           </a:p>
           <a:p>
@@ -3461,7 +3800,6 @@
               <a:rPr lang="en-US" dirty="0" smtClean="0"/>
               <a:t>)</a:t>
             </a:r>
-            <a:endParaRPr lang="en-US" dirty="0" smtClean="0"/>
           </a:p>
           <a:p>
             <a:r>
@@ -3629,7 +3967,6 @@
               <a:rPr lang="en-US" dirty="0" smtClean="0"/>
               <a:t>…</a:t>
             </a:r>
-            <a:endParaRPr lang="en-US" dirty="0" smtClean="0"/>
           </a:p>
         </p:txBody>
       </p:sp>
@@ -3854,11 +4191,7 @@
             <a:pPr lvl="1"/>
             <a:r>
               <a:rPr lang="en-US" dirty="0" smtClean="0"/>
-              <a:t>Must differ in either parameter count or </a:t>
-            </a:r>
-            <a:r>
-              <a:rPr lang="en-US" dirty="0" smtClean="0"/>
-              <a:t>type</a:t>
+              <a:t>Must differ in either parameter count or type</a:t>
             </a:r>
           </a:p>
           <a:p>
@@ -3867,7 +4200,6 @@
               <a:rPr lang="en-US" dirty="0" smtClean="0"/>
               <a:t>It is hard to write client code when there are many parameters, and harder still to read it</a:t>
             </a:r>
-            <a:endParaRPr lang="en-US" dirty="0" smtClean="0"/>
           </a:p>
           <a:p>
             <a:r>
